--- a/에셋/스플래시 이미지.pptx
+++ b/에셋/스플래시 이미지.pptx
@@ -197,7 +197,7 @@
           <a:p>
             <a:fld id="{69A10F79-B3FC-354D-B0B2-A845CC59C16C}" type="datetimeFigureOut">
               <a:rPr kumimoji="1" lang="ko-Kore-KR" altLang="en-US" smtClean="0"/>
-              <a:t>2022. 7. 10.</a:t>
+              <a:t>2022. 7. 21.</a:t>
             </a:fld>
             <a:endParaRPr kumimoji="1" lang="ko-Kore-KR" altLang="en-US"/>
           </a:p>
@@ -685,7 +685,7 @@
           <a:p>
             <a:fld id="{9D7666CF-921F-0647-BA3A-AA71C0FD6CC6}" type="datetimeFigureOut">
               <a:rPr kumimoji="1" lang="ko-Kore-KR" altLang="en-US" smtClean="0"/>
-              <a:t>2022. 7. 10.</a:t>
+              <a:t>2022. 7. 21.</a:t>
             </a:fld>
             <a:endParaRPr kumimoji="1" lang="ko-Kore-KR" altLang="en-US"/>
           </a:p>
@@ -855,7 +855,7 @@
           <a:p>
             <a:fld id="{9D7666CF-921F-0647-BA3A-AA71C0FD6CC6}" type="datetimeFigureOut">
               <a:rPr kumimoji="1" lang="ko-Kore-KR" altLang="en-US" smtClean="0"/>
-              <a:t>2022. 7. 10.</a:t>
+              <a:t>2022. 7. 21.</a:t>
             </a:fld>
             <a:endParaRPr kumimoji="1" lang="ko-Kore-KR" altLang="en-US"/>
           </a:p>
@@ -1035,7 +1035,7 @@
           <a:p>
             <a:fld id="{9D7666CF-921F-0647-BA3A-AA71C0FD6CC6}" type="datetimeFigureOut">
               <a:rPr kumimoji="1" lang="ko-Kore-KR" altLang="en-US" smtClean="0"/>
-              <a:t>2022. 7. 10.</a:t>
+              <a:t>2022. 7. 21.</a:t>
             </a:fld>
             <a:endParaRPr kumimoji="1" lang="ko-Kore-KR" altLang="en-US"/>
           </a:p>
@@ -1205,7 +1205,7 @@
           <a:p>
             <a:fld id="{9D7666CF-921F-0647-BA3A-AA71C0FD6CC6}" type="datetimeFigureOut">
               <a:rPr kumimoji="1" lang="ko-Kore-KR" altLang="en-US" smtClean="0"/>
-              <a:t>2022. 7. 10.</a:t>
+              <a:t>2022. 7. 21.</a:t>
             </a:fld>
             <a:endParaRPr kumimoji="1" lang="ko-Kore-KR" altLang="en-US"/>
           </a:p>
@@ -1449,7 +1449,7 @@
           <a:p>
             <a:fld id="{9D7666CF-921F-0647-BA3A-AA71C0FD6CC6}" type="datetimeFigureOut">
               <a:rPr kumimoji="1" lang="ko-Kore-KR" altLang="en-US" smtClean="0"/>
-              <a:t>2022. 7. 10.</a:t>
+              <a:t>2022. 7. 21.</a:t>
             </a:fld>
             <a:endParaRPr kumimoji="1" lang="ko-Kore-KR" altLang="en-US"/>
           </a:p>
@@ -1681,7 +1681,7 @@
           <a:p>
             <a:fld id="{9D7666CF-921F-0647-BA3A-AA71C0FD6CC6}" type="datetimeFigureOut">
               <a:rPr kumimoji="1" lang="ko-Kore-KR" altLang="en-US" smtClean="0"/>
-              <a:t>2022. 7. 10.</a:t>
+              <a:t>2022. 7. 21.</a:t>
             </a:fld>
             <a:endParaRPr kumimoji="1" lang="ko-Kore-KR" altLang="en-US"/>
           </a:p>
@@ -2048,7 +2048,7 @@
           <a:p>
             <a:fld id="{9D7666CF-921F-0647-BA3A-AA71C0FD6CC6}" type="datetimeFigureOut">
               <a:rPr kumimoji="1" lang="ko-Kore-KR" altLang="en-US" smtClean="0"/>
-              <a:t>2022. 7. 10.</a:t>
+              <a:t>2022. 7. 21.</a:t>
             </a:fld>
             <a:endParaRPr kumimoji="1" lang="ko-Kore-KR" altLang="en-US"/>
           </a:p>
@@ -2166,7 +2166,7 @@
           <a:p>
             <a:fld id="{9D7666CF-921F-0647-BA3A-AA71C0FD6CC6}" type="datetimeFigureOut">
               <a:rPr kumimoji="1" lang="ko-Kore-KR" altLang="en-US" smtClean="0"/>
-              <a:t>2022. 7. 10.</a:t>
+              <a:t>2022. 7. 21.</a:t>
             </a:fld>
             <a:endParaRPr kumimoji="1" lang="ko-Kore-KR" altLang="en-US"/>
           </a:p>
@@ -2261,7 +2261,7 @@
           <a:p>
             <a:fld id="{9D7666CF-921F-0647-BA3A-AA71C0FD6CC6}" type="datetimeFigureOut">
               <a:rPr kumimoji="1" lang="ko-Kore-KR" altLang="en-US" smtClean="0"/>
-              <a:t>2022. 7. 10.</a:t>
+              <a:t>2022. 7. 21.</a:t>
             </a:fld>
             <a:endParaRPr kumimoji="1" lang="ko-Kore-KR" altLang="en-US"/>
           </a:p>
@@ -2538,7 +2538,7 @@
           <a:p>
             <a:fld id="{9D7666CF-921F-0647-BA3A-AA71C0FD6CC6}" type="datetimeFigureOut">
               <a:rPr kumimoji="1" lang="ko-Kore-KR" altLang="en-US" smtClean="0"/>
-              <a:t>2022. 7. 10.</a:t>
+              <a:t>2022. 7. 21.</a:t>
             </a:fld>
             <a:endParaRPr kumimoji="1" lang="ko-Kore-KR" altLang="en-US"/>
           </a:p>
@@ -2795,7 +2795,7 @@
           <a:p>
             <a:fld id="{9D7666CF-921F-0647-BA3A-AA71C0FD6CC6}" type="datetimeFigureOut">
               <a:rPr kumimoji="1" lang="ko-Kore-KR" altLang="en-US" smtClean="0"/>
-              <a:t>2022. 7. 10.</a:t>
+              <a:t>2022. 7. 21.</a:t>
             </a:fld>
             <a:endParaRPr kumimoji="1" lang="ko-Kore-KR" altLang="en-US"/>
           </a:p>
@@ -3008,7 +3008,7 @@
           <a:p>
             <a:fld id="{9D7666CF-921F-0647-BA3A-AA71C0FD6CC6}" type="datetimeFigureOut">
               <a:rPr kumimoji="1" lang="ko-Kore-KR" altLang="en-US" smtClean="0"/>
-              <a:t>2022. 7. 10.</a:t>
+              <a:t>2022. 7. 21.</a:t>
             </a:fld>
             <a:endParaRPr kumimoji="1" lang="ko-Kore-KR" altLang="en-US"/>
           </a:p>
@@ -4218,7 +4218,7 @@
             <a:gsLst>
               <a:gs pos="0">
                 <a:schemeClr val="tx1">
-                  <a:alpha val="22393"/>
+                  <a:alpha val="7000"/>
                 </a:schemeClr>
               </a:gs>
               <a:gs pos="100000">
@@ -4502,7 +4502,7 @@
             <a:gsLst>
               <a:gs pos="0">
                 <a:schemeClr val="tx1">
-                  <a:alpha val="22393"/>
+                  <a:alpha val="7000"/>
                 </a:schemeClr>
               </a:gs>
               <a:gs pos="100000">
@@ -4579,9 +4579,9 @@
                   <a:schemeClr val="bg1"/>
                 </a:solidFill>
                 <a:effectLst>
-                  <a:outerShdw blurRad="122403" dist="99757" dir="2700000" algn="tl" rotWithShape="0">
+                  <a:outerShdw blurRad="88900" dist="50800" dir="5400000" algn="tl" rotWithShape="0">
                     <a:prstClr val="black">
-                      <a:alpha val="40000"/>
+                      <a:alpha val="25000"/>
                     </a:prstClr>
                   </a:outerShdw>
                 </a:effectLst>
@@ -4595,9 +4595,9 @@
                 <a:schemeClr val="bg1"/>
               </a:solidFill>
               <a:effectLst>
-                <a:outerShdw blurRad="122403" dist="99757" dir="2700000" algn="tl" rotWithShape="0">
+                <a:outerShdw blurRad="88900" dist="50800" dir="5400000" algn="tl" rotWithShape="0">
                   <a:prstClr val="black">
-                    <a:alpha val="40000"/>
+                    <a:alpha val="25000"/>
                   </a:prstClr>
                 </a:outerShdw>
               </a:effectLst>
@@ -4643,9 +4643,9 @@
                   <a:schemeClr val="bg1"/>
                 </a:solidFill>
                 <a:effectLst>
-                  <a:outerShdw blurRad="122403" dist="99757" dir="2700000" algn="tl" rotWithShape="0">
+                  <a:outerShdw blurRad="88900" dist="50800" dir="5400000" algn="tl" rotWithShape="0">
                     <a:prstClr val="black">
-                      <a:alpha val="40000"/>
+                      <a:alpha val="25000"/>
                     </a:prstClr>
                   </a:outerShdw>
                 </a:effectLst>
